--- a/ppt 16-9/1379.你的眼睛若了.pptx
+++ b/ppt 16-9/1379.你的眼睛若了.pptx
@@ -129,7 +129,7 @@
           <p:cNvPr id="2" name="标题 1">
             <a:extLst>
               <a:ext uri="{FF2B5EF4-FFF2-40B4-BE49-F238E27FC236}">
-                <a16:creationId xmlns:a16="http://schemas.microsoft.com/office/drawing/2014/main" id="{2F97ECAE-4047-6BC7-4DBD-D8A06242507D}"/>
+                <a16:creationId xmlns:a16="http://schemas.microsoft.com/office/drawing/2014/main" id="{D3F44A40-F4D2-B80B-0C33-7EE31FFAF349}"/>
               </a:ext>
             </a:extLst>
           </p:cNvPr>
@@ -166,7 +166,7 @@
           <p:cNvPr id="3" name="副标题 2">
             <a:extLst>
               <a:ext uri="{FF2B5EF4-FFF2-40B4-BE49-F238E27FC236}">
-                <a16:creationId xmlns:a16="http://schemas.microsoft.com/office/drawing/2014/main" id="{8B04C470-57BD-F740-F558-64385C59F26C}"/>
+                <a16:creationId xmlns:a16="http://schemas.microsoft.com/office/drawing/2014/main" id="{E9029662-57CC-5079-B423-061C4A54C846}"/>
               </a:ext>
             </a:extLst>
           </p:cNvPr>
@@ -236,7 +236,7 @@
           <p:cNvPr id="4" name="日期占位符 3">
             <a:extLst>
               <a:ext uri="{FF2B5EF4-FFF2-40B4-BE49-F238E27FC236}">
-                <a16:creationId xmlns:a16="http://schemas.microsoft.com/office/drawing/2014/main" id="{460898F0-50BC-A91A-6E18-1EC1B9E56B9B}"/>
+                <a16:creationId xmlns:a16="http://schemas.microsoft.com/office/drawing/2014/main" id="{22A1E4F7-1E4C-12B7-1352-F4BEEE09F7A0}"/>
               </a:ext>
             </a:extLst>
           </p:cNvPr>
@@ -252,7 +252,7 @@
           <a:bodyPr/>
           <a:lstStyle/>
           <a:p>
-            <a:fld id="{66FA818B-C6A7-46DE-BE40-FE50F9358F71}" type="datetimeFigureOut">
+            <a:fld id="{9AD9DE96-7843-452D-86D5-75EE6D0C4570}" type="datetimeFigureOut">
               <a:rPr lang="zh-CN" altLang="en-US" smtClean="0"/>
               <a:t>2024/3/10</a:t>
             </a:fld>
@@ -265,7 +265,7 @@
           <p:cNvPr id="5" name="页脚占位符 4">
             <a:extLst>
               <a:ext uri="{FF2B5EF4-FFF2-40B4-BE49-F238E27FC236}">
-                <a16:creationId xmlns:a16="http://schemas.microsoft.com/office/drawing/2014/main" id="{6B8CC859-05B5-8453-9923-46812ACBC8C0}"/>
+                <a16:creationId xmlns:a16="http://schemas.microsoft.com/office/drawing/2014/main" id="{22D19AD9-DAEE-CBFB-51AC-45133F5F899E}"/>
               </a:ext>
             </a:extLst>
           </p:cNvPr>
@@ -290,7 +290,7 @@
           <p:cNvPr id="6" name="灯片编号占位符 5">
             <a:extLst>
               <a:ext uri="{FF2B5EF4-FFF2-40B4-BE49-F238E27FC236}">
-                <a16:creationId xmlns:a16="http://schemas.microsoft.com/office/drawing/2014/main" id="{6702858B-770C-FA1C-3845-007D8A6CEA47}"/>
+                <a16:creationId xmlns:a16="http://schemas.microsoft.com/office/drawing/2014/main" id="{7AEFF9B3-4348-B12B-82D6-629D92939D9B}"/>
               </a:ext>
             </a:extLst>
           </p:cNvPr>
@@ -306,7 +306,7 @@
           <a:bodyPr/>
           <a:lstStyle/>
           <a:p>
-            <a:fld id="{52F045A7-C978-4191-B892-16050D7F31B0}" type="slidenum">
+            <a:fld id="{87145ADD-C322-4502-A9E3-8AA148E515AC}" type="slidenum">
               <a:rPr lang="zh-CN" altLang="en-US" smtClean="0"/>
               <a:t>‹#›</a:t>
             </a:fld>
@@ -317,7 +317,7 @@
     </p:spTree>
     <p:extLst>
       <p:ext uri="{BB962C8B-B14F-4D97-AF65-F5344CB8AC3E}">
-        <p14:creationId xmlns:p14="http://schemas.microsoft.com/office/powerpoint/2010/main" val="2770784323"/>
+        <p14:creationId xmlns:p14="http://schemas.microsoft.com/office/powerpoint/2010/main" val="54131247"/>
       </p:ext>
     </p:extLst>
   </p:cSld>
@@ -349,7 +349,7 @@
           <p:cNvPr id="2" name="标题 1">
             <a:extLst>
               <a:ext uri="{FF2B5EF4-FFF2-40B4-BE49-F238E27FC236}">
-                <a16:creationId xmlns:a16="http://schemas.microsoft.com/office/drawing/2014/main" id="{46193291-7BBF-236E-1FF4-E2ACAA83726C}"/>
+                <a16:creationId xmlns:a16="http://schemas.microsoft.com/office/drawing/2014/main" id="{43CA5A84-4792-475D-CE2C-88C5B7029606}"/>
               </a:ext>
             </a:extLst>
           </p:cNvPr>
@@ -377,7 +377,7 @@
           <p:cNvPr id="3" name="竖排文字占位符 2">
             <a:extLst>
               <a:ext uri="{FF2B5EF4-FFF2-40B4-BE49-F238E27FC236}">
-                <a16:creationId xmlns:a16="http://schemas.microsoft.com/office/drawing/2014/main" id="{A430855F-2128-975F-A924-FF2D1BBC6E4F}"/>
+                <a16:creationId xmlns:a16="http://schemas.microsoft.com/office/drawing/2014/main" id="{D340B7FD-E726-5A1B-4F5A-A089C39FCB75}"/>
               </a:ext>
             </a:extLst>
           </p:cNvPr>
@@ -434,7 +434,7 @@
           <p:cNvPr id="4" name="日期占位符 3">
             <a:extLst>
               <a:ext uri="{FF2B5EF4-FFF2-40B4-BE49-F238E27FC236}">
-                <a16:creationId xmlns:a16="http://schemas.microsoft.com/office/drawing/2014/main" id="{5B9C4B4A-FC6C-B4B6-E3E8-12A4C6768E0B}"/>
+                <a16:creationId xmlns:a16="http://schemas.microsoft.com/office/drawing/2014/main" id="{449E53EB-15E9-4B80-E0F1-D1B85661572C}"/>
               </a:ext>
             </a:extLst>
           </p:cNvPr>
@@ -450,7 +450,7 @@
           <a:bodyPr/>
           <a:lstStyle/>
           <a:p>
-            <a:fld id="{66FA818B-C6A7-46DE-BE40-FE50F9358F71}" type="datetimeFigureOut">
+            <a:fld id="{9AD9DE96-7843-452D-86D5-75EE6D0C4570}" type="datetimeFigureOut">
               <a:rPr lang="zh-CN" altLang="en-US" smtClean="0"/>
               <a:t>2024/3/10</a:t>
             </a:fld>
@@ -463,7 +463,7 @@
           <p:cNvPr id="5" name="页脚占位符 4">
             <a:extLst>
               <a:ext uri="{FF2B5EF4-FFF2-40B4-BE49-F238E27FC236}">
-                <a16:creationId xmlns:a16="http://schemas.microsoft.com/office/drawing/2014/main" id="{9F61CD5B-A6EA-F670-078D-BB12AF467C42}"/>
+                <a16:creationId xmlns:a16="http://schemas.microsoft.com/office/drawing/2014/main" id="{92D142DC-6920-ECCC-D266-8112395B014F}"/>
               </a:ext>
             </a:extLst>
           </p:cNvPr>
@@ -488,7 +488,7 @@
           <p:cNvPr id="6" name="灯片编号占位符 5">
             <a:extLst>
               <a:ext uri="{FF2B5EF4-FFF2-40B4-BE49-F238E27FC236}">
-                <a16:creationId xmlns:a16="http://schemas.microsoft.com/office/drawing/2014/main" id="{3F5DB658-BADF-115D-2931-9C25ACB67375}"/>
+                <a16:creationId xmlns:a16="http://schemas.microsoft.com/office/drawing/2014/main" id="{3AFF5E32-4623-CF6E-897A-7255EE0123C3}"/>
               </a:ext>
             </a:extLst>
           </p:cNvPr>
@@ -504,7 +504,7 @@
           <a:bodyPr/>
           <a:lstStyle/>
           <a:p>
-            <a:fld id="{52F045A7-C978-4191-B892-16050D7F31B0}" type="slidenum">
+            <a:fld id="{87145ADD-C322-4502-A9E3-8AA148E515AC}" type="slidenum">
               <a:rPr lang="zh-CN" altLang="en-US" smtClean="0"/>
               <a:t>‹#›</a:t>
             </a:fld>
@@ -515,7 +515,7 @@
     </p:spTree>
     <p:extLst>
       <p:ext uri="{BB962C8B-B14F-4D97-AF65-F5344CB8AC3E}">
-        <p14:creationId xmlns:p14="http://schemas.microsoft.com/office/powerpoint/2010/main" val="556996673"/>
+        <p14:creationId xmlns:p14="http://schemas.microsoft.com/office/powerpoint/2010/main" val="3580002215"/>
       </p:ext>
     </p:extLst>
   </p:cSld>
@@ -547,7 +547,7 @@
           <p:cNvPr id="2" name="竖排标题 1">
             <a:extLst>
               <a:ext uri="{FF2B5EF4-FFF2-40B4-BE49-F238E27FC236}">
-                <a16:creationId xmlns:a16="http://schemas.microsoft.com/office/drawing/2014/main" id="{9CDEEDFA-B1DE-2762-7835-B946E0D72BB8}"/>
+                <a16:creationId xmlns:a16="http://schemas.microsoft.com/office/drawing/2014/main" id="{54449184-CBB2-FFFE-AC4F-2468212D9817}"/>
               </a:ext>
             </a:extLst>
           </p:cNvPr>
@@ -580,7 +580,7 @@
           <p:cNvPr id="3" name="竖排文字占位符 2">
             <a:extLst>
               <a:ext uri="{FF2B5EF4-FFF2-40B4-BE49-F238E27FC236}">
-                <a16:creationId xmlns:a16="http://schemas.microsoft.com/office/drawing/2014/main" id="{EB9DD2E4-4223-576C-66F9-D30164D601A0}"/>
+                <a16:creationId xmlns:a16="http://schemas.microsoft.com/office/drawing/2014/main" id="{2D93B531-11AA-8713-0C18-F40FA5F8B3CF}"/>
               </a:ext>
             </a:extLst>
           </p:cNvPr>
@@ -642,7 +642,7 @@
           <p:cNvPr id="4" name="日期占位符 3">
             <a:extLst>
               <a:ext uri="{FF2B5EF4-FFF2-40B4-BE49-F238E27FC236}">
-                <a16:creationId xmlns:a16="http://schemas.microsoft.com/office/drawing/2014/main" id="{2F15CB18-CFDA-FEC9-DF48-F28A393C3163}"/>
+                <a16:creationId xmlns:a16="http://schemas.microsoft.com/office/drawing/2014/main" id="{F5FDD65F-83A7-BE2C-6D40-9F37BB901918}"/>
               </a:ext>
             </a:extLst>
           </p:cNvPr>
@@ -658,7 +658,7 @@
           <a:bodyPr/>
           <a:lstStyle/>
           <a:p>
-            <a:fld id="{66FA818B-C6A7-46DE-BE40-FE50F9358F71}" type="datetimeFigureOut">
+            <a:fld id="{9AD9DE96-7843-452D-86D5-75EE6D0C4570}" type="datetimeFigureOut">
               <a:rPr lang="zh-CN" altLang="en-US" smtClean="0"/>
               <a:t>2024/3/10</a:t>
             </a:fld>
@@ -671,7 +671,7 @@
           <p:cNvPr id="5" name="页脚占位符 4">
             <a:extLst>
               <a:ext uri="{FF2B5EF4-FFF2-40B4-BE49-F238E27FC236}">
-                <a16:creationId xmlns:a16="http://schemas.microsoft.com/office/drawing/2014/main" id="{0E9E6B57-3AAB-FB27-823B-52FD0E0AA5E6}"/>
+                <a16:creationId xmlns:a16="http://schemas.microsoft.com/office/drawing/2014/main" id="{248060FC-5C83-0E9F-145E-C5F3C0B64D5F}"/>
               </a:ext>
             </a:extLst>
           </p:cNvPr>
@@ -696,7 +696,7 @@
           <p:cNvPr id="6" name="灯片编号占位符 5">
             <a:extLst>
               <a:ext uri="{FF2B5EF4-FFF2-40B4-BE49-F238E27FC236}">
-                <a16:creationId xmlns:a16="http://schemas.microsoft.com/office/drawing/2014/main" id="{2BA1FA5D-8866-44A8-3349-EBC0371DB2A8}"/>
+                <a16:creationId xmlns:a16="http://schemas.microsoft.com/office/drawing/2014/main" id="{9C5D46ED-32F0-D48D-B1A1-570763F6401A}"/>
               </a:ext>
             </a:extLst>
           </p:cNvPr>
@@ -712,7 +712,7 @@
           <a:bodyPr/>
           <a:lstStyle/>
           <a:p>
-            <a:fld id="{52F045A7-C978-4191-B892-16050D7F31B0}" type="slidenum">
+            <a:fld id="{87145ADD-C322-4502-A9E3-8AA148E515AC}" type="slidenum">
               <a:rPr lang="zh-CN" altLang="en-US" smtClean="0"/>
               <a:t>‹#›</a:t>
             </a:fld>
@@ -723,7 +723,7 @@
     </p:spTree>
     <p:extLst>
       <p:ext uri="{BB962C8B-B14F-4D97-AF65-F5344CB8AC3E}">
-        <p14:creationId xmlns:p14="http://schemas.microsoft.com/office/powerpoint/2010/main" val="2467536281"/>
+        <p14:creationId xmlns:p14="http://schemas.microsoft.com/office/powerpoint/2010/main" val="840443097"/>
       </p:ext>
     </p:extLst>
   </p:cSld>
@@ -755,7 +755,7 @@
           <p:cNvPr id="2" name="标题 1">
             <a:extLst>
               <a:ext uri="{FF2B5EF4-FFF2-40B4-BE49-F238E27FC236}">
-                <a16:creationId xmlns:a16="http://schemas.microsoft.com/office/drawing/2014/main" id="{2D1DE0DF-1AF3-821C-91E0-960AFAAFF83D}"/>
+                <a16:creationId xmlns:a16="http://schemas.microsoft.com/office/drawing/2014/main" id="{181F257A-5EEE-D021-92BC-7F5D624C7600}"/>
               </a:ext>
             </a:extLst>
           </p:cNvPr>
@@ -783,7 +783,7 @@
           <p:cNvPr id="3" name="内容占位符 2">
             <a:extLst>
               <a:ext uri="{FF2B5EF4-FFF2-40B4-BE49-F238E27FC236}">
-                <a16:creationId xmlns:a16="http://schemas.microsoft.com/office/drawing/2014/main" id="{AE009785-074A-D357-F471-084773403238}"/>
+                <a16:creationId xmlns:a16="http://schemas.microsoft.com/office/drawing/2014/main" id="{4C1CA180-CEC7-7C4F-29F0-40E253652475}"/>
               </a:ext>
             </a:extLst>
           </p:cNvPr>
@@ -840,7 +840,7 @@
           <p:cNvPr id="4" name="日期占位符 3">
             <a:extLst>
               <a:ext uri="{FF2B5EF4-FFF2-40B4-BE49-F238E27FC236}">
-                <a16:creationId xmlns:a16="http://schemas.microsoft.com/office/drawing/2014/main" id="{0E3137EF-DEEB-2E36-4953-23B33BAE81E1}"/>
+                <a16:creationId xmlns:a16="http://schemas.microsoft.com/office/drawing/2014/main" id="{632581C2-136F-2340-96E1-79061569A9FD}"/>
               </a:ext>
             </a:extLst>
           </p:cNvPr>
@@ -856,7 +856,7 @@
           <a:bodyPr/>
           <a:lstStyle/>
           <a:p>
-            <a:fld id="{66FA818B-C6A7-46DE-BE40-FE50F9358F71}" type="datetimeFigureOut">
+            <a:fld id="{9AD9DE96-7843-452D-86D5-75EE6D0C4570}" type="datetimeFigureOut">
               <a:rPr lang="zh-CN" altLang="en-US" smtClean="0"/>
               <a:t>2024/3/10</a:t>
             </a:fld>
@@ -869,7 +869,7 @@
           <p:cNvPr id="5" name="页脚占位符 4">
             <a:extLst>
               <a:ext uri="{FF2B5EF4-FFF2-40B4-BE49-F238E27FC236}">
-                <a16:creationId xmlns:a16="http://schemas.microsoft.com/office/drawing/2014/main" id="{29F1D123-EF53-E48B-B813-669751A05A36}"/>
+                <a16:creationId xmlns:a16="http://schemas.microsoft.com/office/drawing/2014/main" id="{19A24C14-CFD7-59BE-CD72-EC858276F62C}"/>
               </a:ext>
             </a:extLst>
           </p:cNvPr>
@@ -894,7 +894,7 @@
           <p:cNvPr id="6" name="灯片编号占位符 5">
             <a:extLst>
               <a:ext uri="{FF2B5EF4-FFF2-40B4-BE49-F238E27FC236}">
-                <a16:creationId xmlns:a16="http://schemas.microsoft.com/office/drawing/2014/main" id="{59E82413-9F6B-FF90-4157-6E0B8FA287F1}"/>
+                <a16:creationId xmlns:a16="http://schemas.microsoft.com/office/drawing/2014/main" id="{52572DF3-EC24-BE74-15DD-3C7FE69E7FC7}"/>
               </a:ext>
             </a:extLst>
           </p:cNvPr>
@@ -910,7 +910,7 @@
           <a:bodyPr/>
           <a:lstStyle/>
           <a:p>
-            <a:fld id="{52F045A7-C978-4191-B892-16050D7F31B0}" type="slidenum">
+            <a:fld id="{87145ADD-C322-4502-A9E3-8AA148E515AC}" type="slidenum">
               <a:rPr lang="zh-CN" altLang="en-US" smtClean="0"/>
               <a:t>‹#›</a:t>
             </a:fld>
@@ -921,7 +921,7 @@
     </p:spTree>
     <p:extLst>
       <p:ext uri="{BB962C8B-B14F-4D97-AF65-F5344CB8AC3E}">
-        <p14:creationId xmlns:p14="http://schemas.microsoft.com/office/powerpoint/2010/main" val="2510947010"/>
+        <p14:creationId xmlns:p14="http://schemas.microsoft.com/office/powerpoint/2010/main" val="1686431357"/>
       </p:ext>
     </p:extLst>
   </p:cSld>
@@ -953,7 +953,7 @@
           <p:cNvPr id="2" name="标题 1">
             <a:extLst>
               <a:ext uri="{FF2B5EF4-FFF2-40B4-BE49-F238E27FC236}">
-                <a16:creationId xmlns:a16="http://schemas.microsoft.com/office/drawing/2014/main" id="{955B3CB0-0F2A-2975-E2F8-E50AB849DCCD}"/>
+                <a16:creationId xmlns:a16="http://schemas.microsoft.com/office/drawing/2014/main" id="{AF7222C4-CF95-C218-73B1-217EBEAF5B52}"/>
               </a:ext>
             </a:extLst>
           </p:cNvPr>
@@ -990,7 +990,7 @@
           <p:cNvPr id="3" name="文本占位符 2">
             <a:extLst>
               <a:ext uri="{FF2B5EF4-FFF2-40B4-BE49-F238E27FC236}">
-                <a16:creationId xmlns:a16="http://schemas.microsoft.com/office/drawing/2014/main" id="{D9F6C7FC-54AD-7BF8-EB03-04445B5A25FB}"/>
+                <a16:creationId xmlns:a16="http://schemas.microsoft.com/office/drawing/2014/main" id="{E341C979-65A4-AA33-7A24-8198BF2F1937}"/>
               </a:ext>
             </a:extLst>
           </p:cNvPr>
@@ -1115,7 +1115,7 @@
           <p:cNvPr id="4" name="日期占位符 3">
             <a:extLst>
               <a:ext uri="{FF2B5EF4-FFF2-40B4-BE49-F238E27FC236}">
-                <a16:creationId xmlns:a16="http://schemas.microsoft.com/office/drawing/2014/main" id="{D8A238F7-F43C-DBA9-F71E-30917CB39E6E}"/>
+                <a16:creationId xmlns:a16="http://schemas.microsoft.com/office/drawing/2014/main" id="{0D3A5C3B-E853-6583-9A41-ECE84EB4897C}"/>
               </a:ext>
             </a:extLst>
           </p:cNvPr>
@@ -1131,7 +1131,7 @@
           <a:bodyPr/>
           <a:lstStyle/>
           <a:p>
-            <a:fld id="{66FA818B-C6A7-46DE-BE40-FE50F9358F71}" type="datetimeFigureOut">
+            <a:fld id="{9AD9DE96-7843-452D-86D5-75EE6D0C4570}" type="datetimeFigureOut">
               <a:rPr lang="zh-CN" altLang="en-US" smtClean="0"/>
               <a:t>2024/3/10</a:t>
             </a:fld>
@@ -1144,7 +1144,7 @@
           <p:cNvPr id="5" name="页脚占位符 4">
             <a:extLst>
               <a:ext uri="{FF2B5EF4-FFF2-40B4-BE49-F238E27FC236}">
-                <a16:creationId xmlns:a16="http://schemas.microsoft.com/office/drawing/2014/main" id="{6422AE88-8141-6711-B589-5F66FC1D23E2}"/>
+                <a16:creationId xmlns:a16="http://schemas.microsoft.com/office/drawing/2014/main" id="{D423FB4A-39EE-AD6C-1332-CEFD65EB80B3}"/>
               </a:ext>
             </a:extLst>
           </p:cNvPr>
@@ -1169,7 +1169,7 @@
           <p:cNvPr id="6" name="灯片编号占位符 5">
             <a:extLst>
               <a:ext uri="{FF2B5EF4-FFF2-40B4-BE49-F238E27FC236}">
-                <a16:creationId xmlns:a16="http://schemas.microsoft.com/office/drawing/2014/main" id="{60DDA4BC-431D-E5F3-6EDE-CAFF6454EFCD}"/>
+                <a16:creationId xmlns:a16="http://schemas.microsoft.com/office/drawing/2014/main" id="{BCC1EE45-8C39-5B7D-8CBC-CBF1A0F8CBB2}"/>
               </a:ext>
             </a:extLst>
           </p:cNvPr>
@@ -1185,7 +1185,7 @@
           <a:bodyPr/>
           <a:lstStyle/>
           <a:p>
-            <a:fld id="{52F045A7-C978-4191-B892-16050D7F31B0}" type="slidenum">
+            <a:fld id="{87145ADD-C322-4502-A9E3-8AA148E515AC}" type="slidenum">
               <a:rPr lang="zh-CN" altLang="en-US" smtClean="0"/>
               <a:t>‹#›</a:t>
             </a:fld>
@@ -1196,7 +1196,7 @@
     </p:spTree>
     <p:extLst>
       <p:ext uri="{BB962C8B-B14F-4D97-AF65-F5344CB8AC3E}">
-        <p14:creationId xmlns:p14="http://schemas.microsoft.com/office/powerpoint/2010/main" val="4034888816"/>
+        <p14:creationId xmlns:p14="http://schemas.microsoft.com/office/powerpoint/2010/main" val="837658728"/>
       </p:ext>
     </p:extLst>
   </p:cSld>
@@ -1228,7 +1228,7 @@
           <p:cNvPr id="2" name="标题 1">
             <a:extLst>
               <a:ext uri="{FF2B5EF4-FFF2-40B4-BE49-F238E27FC236}">
-                <a16:creationId xmlns:a16="http://schemas.microsoft.com/office/drawing/2014/main" id="{1EC0FBAF-3B61-CF91-1113-B4A77FAA053B}"/>
+                <a16:creationId xmlns:a16="http://schemas.microsoft.com/office/drawing/2014/main" id="{BDCAB9F0-7CB0-0E46-92DC-956281FF7DB4}"/>
               </a:ext>
             </a:extLst>
           </p:cNvPr>
@@ -1256,7 +1256,7 @@
           <p:cNvPr id="3" name="内容占位符 2">
             <a:extLst>
               <a:ext uri="{FF2B5EF4-FFF2-40B4-BE49-F238E27FC236}">
-                <a16:creationId xmlns:a16="http://schemas.microsoft.com/office/drawing/2014/main" id="{BB98C9F6-958F-26B2-BE4C-DDEF34F227E6}"/>
+                <a16:creationId xmlns:a16="http://schemas.microsoft.com/office/drawing/2014/main" id="{7A79F8A0-9B23-94C6-605D-4767E573D512}"/>
               </a:ext>
             </a:extLst>
           </p:cNvPr>
@@ -1318,7 +1318,7 @@
           <p:cNvPr id="4" name="内容占位符 3">
             <a:extLst>
               <a:ext uri="{FF2B5EF4-FFF2-40B4-BE49-F238E27FC236}">
-                <a16:creationId xmlns:a16="http://schemas.microsoft.com/office/drawing/2014/main" id="{934F2AF6-6214-7BFE-C962-D8AEEE800D01}"/>
+                <a16:creationId xmlns:a16="http://schemas.microsoft.com/office/drawing/2014/main" id="{A0895FA6-1703-EBFF-85E0-A92DF1EE917C}"/>
               </a:ext>
             </a:extLst>
           </p:cNvPr>
@@ -1380,7 +1380,7 @@
           <p:cNvPr id="5" name="日期占位符 4">
             <a:extLst>
               <a:ext uri="{FF2B5EF4-FFF2-40B4-BE49-F238E27FC236}">
-                <a16:creationId xmlns:a16="http://schemas.microsoft.com/office/drawing/2014/main" id="{256359A4-189B-EB89-D87A-B7A8F92123A7}"/>
+                <a16:creationId xmlns:a16="http://schemas.microsoft.com/office/drawing/2014/main" id="{0D81695D-D3A9-B2A7-8141-5888C5A43D40}"/>
               </a:ext>
             </a:extLst>
           </p:cNvPr>
@@ -1396,7 +1396,7 @@
           <a:bodyPr/>
           <a:lstStyle/>
           <a:p>
-            <a:fld id="{66FA818B-C6A7-46DE-BE40-FE50F9358F71}" type="datetimeFigureOut">
+            <a:fld id="{9AD9DE96-7843-452D-86D5-75EE6D0C4570}" type="datetimeFigureOut">
               <a:rPr lang="zh-CN" altLang="en-US" smtClean="0"/>
               <a:t>2024/3/10</a:t>
             </a:fld>
@@ -1409,7 +1409,7 @@
           <p:cNvPr id="6" name="页脚占位符 5">
             <a:extLst>
               <a:ext uri="{FF2B5EF4-FFF2-40B4-BE49-F238E27FC236}">
-                <a16:creationId xmlns:a16="http://schemas.microsoft.com/office/drawing/2014/main" id="{38408B04-BC66-D202-5EB7-1905675A20E1}"/>
+                <a16:creationId xmlns:a16="http://schemas.microsoft.com/office/drawing/2014/main" id="{044A5FFE-974E-9A39-A59F-2767D90192A3}"/>
               </a:ext>
             </a:extLst>
           </p:cNvPr>
@@ -1434,7 +1434,7 @@
           <p:cNvPr id="7" name="灯片编号占位符 6">
             <a:extLst>
               <a:ext uri="{FF2B5EF4-FFF2-40B4-BE49-F238E27FC236}">
-                <a16:creationId xmlns:a16="http://schemas.microsoft.com/office/drawing/2014/main" id="{1E3D891B-4550-4997-4C81-650D0BB3EAFD}"/>
+                <a16:creationId xmlns:a16="http://schemas.microsoft.com/office/drawing/2014/main" id="{CA14E901-160A-B469-A3C0-009CF72E5A86}"/>
               </a:ext>
             </a:extLst>
           </p:cNvPr>
@@ -1450,7 +1450,7 @@
           <a:bodyPr/>
           <a:lstStyle/>
           <a:p>
-            <a:fld id="{52F045A7-C978-4191-B892-16050D7F31B0}" type="slidenum">
+            <a:fld id="{87145ADD-C322-4502-A9E3-8AA148E515AC}" type="slidenum">
               <a:rPr lang="zh-CN" altLang="en-US" smtClean="0"/>
               <a:t>‹#›</a:t>
             </a:fld>
@@ -1461,7 +1461,7 @@
     </p:spTree>
     <p:extLst>
       <p:ext uri="{BB962C8B-B14F-4D97-AF65-F5344CB8AC3E}">
-        <p14:creationId xmlns:p14="http://schemas.microsoft.com/office/powerpoint/2010/main" val="3198596232"/>
+        <p14:creationId xmlns:p14="http://schemas.microsoft.com/office/powerpoint/2010/main" val="2252992831"/>
       </p:ext>
     </p:extLst>
   </p:cSld>
@@ -1493,7 +1493,7 @@
           <p:cNvPr id="2" name="标题 1">
             <a:extLst>
               <a:ext uri="{FF2B5EF4-FFF2-40B4-BE49-F238E27FC236}">
-                <a16:creationId xmlns:a16="http://schemas.microsoft.com/office/drawing/2014/main" id="{0410DD1E-CF8E-A445-7228-22B8ABEE8360}"/>
+                <a16:creationId xmlns:a16="http://schemas.microsoft.com/office/drawing/2014/main" id="{19CB593B-1E57-9D54-FA5E-31D60AE0E432}"/>
               </a:ext>
             </a:extLst>
           </p:cNvPr>
@@ -1526,7 +1526,7 @@
           <p:cNvPr id="3" name="文本占位符 2">
             <a:extLst>
               <a:ext uri="{FF2B5EF4-FFF2-40B4-BE49-F238E27FC236}">
-                <a16:creationId xmlns:a16="http://schemas.microsoft.com/office/drawing/2014/main" id="{132C3CF3-17BB-F314-8F50-15C9F59218FB}"/>
+                <a16:creationId xmlns:a16="http://schemas.microsoft.com/office/drawing/2014/main" id="{396D717A-AEB2-31F2-6DCA-89D70CF56640}"/>
               </a:ext>
             </a:extLst>
           </p:cNvPr>
@@ -1597,7 +1597,7 @@
           <p:cNvPr id="4" name="内容占位符 3">
             <a:extLst>
               <a:ext uri="{FF2B5EF4-FFF2-40B4-BE49-F238E27FC236}">
-                <a16:creationId xmlns:a16="http://schemas.microsoft.com/office/drawing/2014/main" id="{0D4CE8CA-71E2-6293-BC13-D7103E7602AF}"/>
+                <a16:creationId xmlns:a16="http://schemas.microsoft.com/office/drawing/2014/main" id="{80F6548A-5A57-EBB5-4472-CD5E9A4D9312}"/>
               </a:ext>
             </a:extLst>
           </p:cNvPr>
@@ -1659,7 +1659,7 @@
           <p:cNvPr id="5" name="文本占位符 4">
             <a:extLst>
               <a:ext uri="{FF2B5EF4-FFF2-40B4-BE49-F238E27FC236}">
-                <a16:creationId xmlns:a16="http://schemas.microsoft.com/office/drawing/2014/main" id="{361CC5FF-1BC0-9333-1EB7-31D82441CBD2}"/>
+                <a16:creationId xmlns:a16="http://schemas.microsoft.com/office/drawing/2014/main" id="{CB6A4834-188F-BEF8-470D-FBCDC8354A7D}"/>
               </a:ext>
             </a:extLst>
           </p:cNvPr>
@@ -1730,7 +1730,7 @@
           <p:cNvPr id="6" name="内容占位符 5">
             <a:extLst>
               <a:ext uri="{FF2B5EF4-FFF2-40B4-BE49-F238E27FC236}">
-                <a16:creationId xmlns:a16="http://schemas.microsoft.com/office/drawing/2014/main" id="{7A0A0BA9-E6B0-8FDC-5AB6-23A00A49C1D4}"/>
+                <a16:creationId xmlns:a16="http://schemas.microsoft.com/office/drawing/2014/main" id="{9D972F45-61A2-5ECE-1D26-9DA3FBDC7220}"/>
               </a:ext>
             </a:extLst>
           </p:cNvPr>
@@ -1792,7 +1792,7 @@
           <p:cNvPr id="7" name="日期占位符 6">
             <a:extLst>
               <a:ext uri="{FF2B5EF4-FFF2-40B4-BE49-F238E27FC236}">
-                <a16:creationId xmlns:a16="http://schemas.microsoft.com/office/drawing/2014/main" id="{E13B7972-6FFA-2952-F388-16A74390653E}"/>
+                <a16:creationId xmlns:a16="http://schemas.microsoft.com/office/drawing/2014/main" id="{06112225-5166-78A8-092C-710942B5626E}"/>
               </a:ext>
             </a:extLst>
           </p:cNvPr>
@@ -1808,7 +1808,7 @@
           <a:bodyPr/>
           <a:lstStyle/>
           <a:p>
-            <a:fld id="{66FA818B-C6A7-46DE-BE40-FE50F9358F71}" type="datetimeFigureOut">
+            <a:fld id="{9AD9DE96-7843-452D-86D5-75EE6D0C4570}" type="datetimeFigureOut">
               <a:rPr lang="zh-CN" altLang="en-US" smtClean="0"/>
               <a:t>2024/3/10</a:t>
             </a:fld>
@@ -1821,7 +1821,7 @@
           <p:cNvPr id="8" name="页脚占位符 7">
             <a:extLst>
               <a:ext uri="{FF2B5EF4-FFF2-40B4-BE49-F238E27FC236}">
-                <a16:creationId xmlns:a16="http://schemas.microsoft.com/office/drawing/2014/main" id="{3A76F107-23A2-40DB-083B-B05E2ADFA894}"/>
+                <a16:creationId xmlns:a16="http://schemas.microsoft.com/office/drawing/2014/main" id="{4FCE7D40-61EC-D019-43D8-E26F4A3B1CA3}"/>
               </a:ext>
             </a:extLst>
           </p:cNvPr>
@@ -1846,7 +1846,7 @@
           <p:cNvPr id="9" name="灯片编号占位符 8">
             <a:extLst>
               <a:ext uri="{FF2B5EF4-FFF2-40B4-BE49-F238E27FC236}">
-                <a16:creationId xmlns:a16="http://schemas.microsoft.com/office/drawing/2014/main" id="{754EEB77-BEDC-E711-9517-548BBA693C95}"/>
+                <a16:creationId xmlns:a16="http://schemas.microsoft.com/office/drawing/2014/main" id="{2978F5AC-A20B-45FC-24CB-1CF131D66B6D}"/>
               </a:ext>
             </a:extLst>
           </p:cNvPr>
@@ -1862,7 +1862,7 @@
           <a:bodyPr/>
           <a:lstStyle/>
           <a:p>
-            <a:fld id="{52F045A7-C978-4191-B892-16050D7F31B0}" type="slidenum">
+            <a:fld id="{87145ADD-C322-4502-A9E3-8AA148E515AC}" type="slidenum">
               <a:rPr lang="zh-CN" altLang="en-US" smtClean="0"/>
               <a:t>‹#›</a:t>
             </a:fld>
@@ -1873,7 +1873,7 @@
     </p:spTree>
     <p:extLst>
       <p:ext uri="{BB962C8B-B14F-4D97-AF65-F5344CB8AC3E}">
-        <p14:creationId xmlns:p14="http://schemas.microsoft.com/office/powerpoint/2010/main" val="1062031950"/>
+        <p14:creationId xmlns:p14="http://schemas.microsoft.com/office/powerpoint/2010/main" val="1555432234"/>
       </p:ext>
     </p:extLst>
   </p:cSld>
@@ -1905,7 +1905,7 @@
           <p:cNvPr id="2" name="标题 1">
             <a:extLst>
               <a:ext uri="{FF2B5EF4-FFF2-40B4-BE49-F238E27FC236}">
-                <a16:creationId xmlns:a16="http://schemas.microsoft.com/office/drawing/2014/main" id="{2E0F1C0A-090C-1B11-0356-5971225E1460}"/>
+                <a16:creationId xmlns:a16="http://schemas.microsoft.com/office/drawing/2014/main" id="{345E4831-7069-25F0-1E1A-72ADED25B0B4}"/>
               </a:ext>
             </a:extLst>
           </p:cNvPr>
@@ -1933,7 +1933,7 @@
           <p:cNvPr id="3" name="日期占位符 2">
             <a:extLst>
               <a:ext uri="{FF2B5EF4-FFF2-40B4-BE49-F238E27FC236}">
-                <a16:creationId xmlns:a16="http://schemas.microsoft.com/office/drawing/2014/main" id="{F3C8966C-5876-2A7F-2F1F-21C15ECC86AA}"/>
+                <a16:creationId xmlns:a16="http://schemas.microsoft.com/office/drawing/2014/main" id="{EBE39D0D-BD40-32EE-1133-2B6B7E51DC7D}"/>
               </a:ext>
             </a:extLst>
           </p:cNvPr>
@@ -1949,7 +1949,7 @@
           <a:bodyPr/>
           <a:lstStyle/>
           <a:p>
-            <a:fld id="{66FA818B-C6A7-46DE-BE40-FE50F9358F71}" type="datetimeFigureOut">
+            <a:fld id="{9AD9DE96-7843-452D-86D5-75EE6D0C4570}" type="datetimeFigureOut">
               <a:rPr lang="zh-CN" altLang="en-US" smtClean="0"/>
               <a:t>2024/3/10</a:t>
             </a:fld>
@@ -1962,7 +1962,7 @@
           <p:cNvPr id="4" name="页脚占位符 3">
             <a:extLst>
               <a:ext uri="{FF2B5EF4-FFF2-40B4-BE49-F238E27FC236}">
-                <a16:creationId xmlns:a16="http://schemas.microsoft.com/office/drawing/2014/main" id="{7197D704-A5FE-0160-F871-42210E202FAB}"/>
+                <a16:creationId xmlns:a16="http://schemas.microsoft.com/office/drawing/2014/main" id="{DAEBFB1F-AB6E-7186-13D1-C76073F8E7C6}"/>
               </a:ext>
             </a:extLst>
           </p:cNvPr>
@@ -1987,7 +1987,7 @@
           <p:cNvPr id="5" name="灯片编号占位符 4">
             <a:extLst>
               <a:ext uri="{FF2B5EF4-FFF2-40B4-BE49-F238E27FC236}">
-                <a16:creationId xmlns:a16="http://schemas.microsoft.com/office/drawing/2014/main" id="{83E4F2C5-B172-750B-4567-F40AA6F5C44E}"/>
+                <a16:creationId xmlns:a16="http://schemas.microsoft.com/office/drawing/2014/main" id="{A15FD5CD-72DD-3BBA-2446-19268AB0629E}"/>
               </a:ext>
             </a:extLst>
           </p:cNvPr>
@@ -2003,7 +2003,7 @@
           <a:bodyPr/>
           <a:lstStyle/>
           <a:p>
-            <a:fld id="{52F045A7-C978-4191-B892-16050D7F31B0}" type="slidenum">
+            <a:fld id="{87145ADD-C322-4502-A9E3-8AA148E515AC}" type="slidenum">
               <a:rPr lang="zh-CN" altLang="en-US" smtClean="0"/>
               <a:t>‹#›</a:t>
             </a:fld>
@@ -2014,7 +2014,7 @@
     </p:spTree>
     <p:extLst>
       <p:ext uri="{BB962C8B-B14F-4D97-AF65-F5344CB8AC3E}">
-        <p14:creationId xmlns:p14="http://schemas.microsoft.com/office/powerpoint/2010/main" val="2118113474"/>
+        <p14:creationId xmlns:p14="http://schemas.microsoft.com/office/powerpoint/2010/main" val="2425178681"/>
       </p:ext>
     </p:extLst>
   </p:cSld>
@@ -2046,7 +2046,7 @@
           <p:cNvPr id="2" name="日期占位符 1">
             <a:extLst>
               <a:ext uri="{FF2B5EF4-FFF2-40B4-BE49-F238E27FC236}">
-                <a16:creationId xmlns:a16="http://schemas.microsoft.com/office/drawing/2014/main" id="{5B1BCDE2-E6F5-4C38-9E7B-1F2B544825E3}"/>
+                <a16:creationId xmlns:a16="http://schemas.microsoft.com/office/drawing/2014/main" id="{8562B923-11DC-45C3-85DC-78658BA2BF26}"/>
               </a:ext>
             </a:extLst>
           </p:cNvPr>
@@ -2062,7 +2062,7 @@
           <a:bodyPr/>
           <a:lstStyle/>
           <a:p>
-            <a:fld id="{66FA818B-C6A7-46DE-BE40-FE50F9358F71}" type="datetimeFigureOut">
+            <a:fld id="{9AD9DE96-7843-452D-86D5-75EE6D0C4570}" type="datetimeFigureOut">
               <a:rPr lang="zh-CN" altLang="en-US" smtClean="0"/>
               <a:t>2024/3/10</a:t>
             </a:fld>
@@ -2075,7 +2075,7 @@
           <p:cNvPr id="3" name="页脚占位符 2">
             <a:extLst>
               <a:ext uri="{FF2B5EF4-FFF2-40B4-BE49-F238E27FC236}">
-                <a16:creationId xmlns:a16="http://schemas.microsoft.com/office/drawing/2014/main" id="{CC4766FB-D19B-D394-3C02-2F33E3463F4E}"/>
+                <a16:creationId xmlns:a16="http://schemas.microsoft.com/office/drawing/2014/main" id="{46CD3841-904B-509F-8945-7E61BCB10B6F}"/>
               </a:ext>
             </a:extLst>
           </p:cNvPr>
@@ -2100,7 +2100,7 @@
           <p:cNvPr id="4" name="灯片编号占位符 3">
             <a:extLst>
               <a:ext uri="{FF2B5EF4-FFF2-40B4-BE49-F238E27FC236}">
-                <a16:creationId xmlns:a16="http://schemas.microsoft.com/office/drawing/2014/main" id="{E36B82C5-BAF6-C67D-D318-2021A69B629E}"/>
+                <a16:creationId xmlns:a16="http://schemas.microsoft.com/office/drawing/2014/main" id="{E9BF5206-688F-C9D5-82DA-055F23F805C8}"/>
               </a:ext>
             </a:extLst>
           </p:cNvPr>
@@ -2116,7 +2116,7 @@
           <a:bodyPr/>
           <a:lstStyle/>
           <a:p>
-            <a:fld id="{52F045A7-C978-4191-B892-16050D7F31B0}" type="slidenum">
+            <a:fld id="{87145ADD-C322-4502-A9E3-8AA148E515AC}" type="slidenum">
               <a:rPr lang="zh-CN" altLang="en-US" smtClean="0"/>
               <a:t>‹#›</a:t>
             </a:fld>
@@ -2127,7 +2127,7 @@
     </p:spTree>
     <p:extLst>
       <p:ext uri="{BB962C8B-B14F-4D97-AF65-F5344CB8AC3E}">
-        <p14:creationId xmlns:p14="http://schemas.microsoft.com/office/powerpoint/2010/main" val="409005008"/>
+        <p14:creationId xmlns:p14="http://schemas.microsoft.com/office/powerpoint/2010/main" val="840030917"/>
       </p:ext>
     </p:extLst>
   </p:cSld>
@@ -2159,7 +2159,7 @@
           <p:cNvPr id="2" name="标题 1">
             <a:extLst>
               <a:ext uri="{FF2B5EF4-FFF2-40B4-BE49-F238E27FC236}">
-                <a16:creationId xmlns:a16="http://schemas.microsoft.com/office/drawing/2014/main" id="{A06DDE10-717B-32F0-0EA5-C3AFB06E8CF0}"/>
+                <a16:creationId xmlns:a16="http://schemas.microsoft.com/office/drawing/2014/main" id="{BF8D03B0-7B55-FE49-431C-54B4A6AD7233}"/>
               </a:ext>
             </a:extLst>
           </p:cNvPr>
@@ -2196,7 +2196,7 @@
           <p:cNvPr id="3" name="内容占位符 2">
             <a:extLst>
               <a:ext uri="{FF2B5EF4-FFF2-40B4-BE49-F238E27FC236}">
-                <a16:creationId xmlns:a16="http://schemas.microsoft.com/office/drawing/2014/main" id="{802208CA-2CCE-FE6D-9B0D-D33EDDD112B4}"/>
+                <a16:creationId xmlns:a16="http://schemas.microsoft.com/office/drawing/2014/main" id="{96BD283C-C83A-5483-118B-541C9EDFC43E}"/>
               </a:ext>
             </a:extLst>
           </p:cNvPr>
@@ -2286,7 +2286,7 @@
           <p:cNvPr id="4" name="文本占位符 3">
             <a:extLst>
               <a:ext uri="{FF2B5EF4-FFF2-40B4-BE49-F238E27FC236}">
-                <a16:creationId xmlns:a16="http://schemas.microsoft.com/office/drawing/2014/main" id="{27FFD538-9EA0-3F47-2B63-BFF8E0B0E6F1}"/>
+                <a16:creationId xmlns:a16="http://schemas.microsoft.com/office/drawing/2014/main" id="{209A041D-DF5E-8C00-CFE7-ED31355B674C}"/>
               </a:ext>
             </a:extLst>
           </p:cNvPr>
@@ -2357,7 +2357,7 @@
           <p:cNvPr id="5" name="日期占位符 4">
             <a:extLst>
               <a:ext uri="{FF2B5EF4-FFF2-40B4-BE49-F238E27FC236}">
-                <a16:creationId xmlns:a16="http://schemas.microsoft.com/office/drawing/2014/main" id="{F4AB5490-2863-65B5-77E5-05607612BB4A}"/>
+                <a16:creationId xmlns:a16="http://schemas.microsoft.com/office/drawing/2014/main" id="{639B5E73-5786-A3F5-7E99-127C4A50D27E}"/>
               </a:ext>
             </a:extLst>
           </p:cNvPr>
@@ -2373,7 +2373,7 @@
           <a:bodyPr/>
           <a:lstStyle/>
           <a:p>
-            <a:fld id="{66FA818B-C6A7-46DE-BE40-FE50F9358F71}" type="datetimeFigureOut">
+            <a:fld id="{9AD9DE96-7843-452D-86D5-75EE6D0C4570}" type="datetimeFigureOut">
               <a:rPr lang="zh-CN" altLang="en-US" smtClean="0"/>
               <a:t>2024/3/10</a:t>
             </a:fld>
@@ -2386,7 +2386,7 @@
           <p:cNvPr id="6" name="页脚占位符 5">
             <a:extLst>
               <a:ext uri="{FF2B5EF4-FFF2-40B4-BE49-F238E27FC236}">
-                <a16:creationId xmlns:a16="http://schemas.microsoft.com/office/drawing/2014/main" id="{16B7C347-3933-8D3B-A796-8970846BB520}"/>
+                <a16:creationId xmlns:a16="http://schemas.microsoft.com/office/drawing/2014/main" id="{AF557513-B1AC-40C0-D67E-E7803FD94AFB}"/>
               </a:ext>
             </a:extLst>
           </p:cNvPr>
@@ -2411,7 +2411,7 @@
           <p:cNvPr id="7" name="灯片编号占位符 6">
             <a:extLst>
               <a:ext uri="{FF2B5EF4-FFF2-40B4-BE49-F238E27FC236}">
-                <a16:creationId xmlns:a16="http://schemas.microsoft.com/office/drawing/2014/main" id="{65E64DB4-1BC7-5DD1-E624-28B4DC6CA0A3}"/>
+                <a16:creationId xmlns:a16="http://schemas.microsoft.com/office/drawing/2014/main" id="{A2EACE02-6EFB-25E9-027A-46C5BDC01DAE}"/>
               </a:ext>
             </a:extLst>
           </p:cNvPr>
@@ -2427,7 +2427,7 @@
           <a:bodyPr/>
           <a:lstStyle/>
           <a:p>
-            <a:fld id="{52F045A7-C978-4191-B892-16050D7F31B0}" type="slidenum">
+            <a:fld id="{87145ADD-C322-4502-A9E3-8AA148E515AC}" type="slidenum">
               <a:rPr lang="zh-CN" altLang="en-US" smtClean="0"/>
               <a:t>‹#›</a:t>
             </a:fld>
@@ -2438,7 +2438,7 @@
     </p:spTree>
     <p:extLst>
       <p:ext uri="{BB962C8B-B14F-4D97-AF65-F5344CB8AC3E}">
-        <p14:creationId xmlns:p14="http://schemas.microsoft.com/office/powerpoint/2010/main" val="3523033777"/>
+        <p14:creationId xmlns:p14="http://schemas.microsoft.com/office/powerpoint/2010/main" val="3043761220"/>
       </p:ext>
     </p:extLst>
   </p:cSld>
@@ -2470,7 +2470,7 @@
           <p:cNvPr id="2" name="标题 1">
             <a:extLst>
               <a:ext uri="{FF2B5EF4-FFF2-40B4-BE49-F238E27FC236}">
-                <a16:creationId xmlns:a16="http://schemas.microsoft.com/office/drawing/2014/main" id="{32104DA9-A67A-DDF5-6FA0-27BD2C21E386}"/>
+                <a16:creationId xmlns:a16="http://schemas.microsoft.com/office/drawing/2014/main" id="{11D83E4B-6903-854E-4145-F2421F756C06}"/>
               </a:ext>
             </a:extLst>
           </p:cNvPr>
@@ -2507,7 +2507,7 @@
           <p:cNvPr id="3" name="图片占位符 2">
             <a:extLst>
               <a:ext uri="{FF2B5EF4-FFF2-40B4-BE49-F238E27FC236}">
-                <a16:creationId xmlns:a16="http://schemas.microsoft.com/office/drawing/2014/main" id="{DD863051-B141-C8C0-30C6-E8F52358C80B}"/>
+                <a16:creationId xmlns:a16="http://schemas.microsoft.com/office/drawing/2014/main" id="{7D521808-C99F-FFA6-E2AD-9BD9361CA66D}"/>
               </a:ext>
             </a:extLst>
           </p:cNvPr>
@@ -2574,7 +2574,7 @@
           <p:cNvPr id="4" name="文本占位符 3">
             <a:extLst>
               <a:ext uri="{FF2B5EF4-FFF2-40B4-BE49-F238E27FC236}">
-                <a16:creationId xmlns:a16="http://schemas.microsoft.com/office/drawing/2014/main" id="{3D5B8DE9-3C5E-5101-764C-65A06C6006F0}"/>
+                <a16:creationId xmlns:a16="http://schemas.microsoft.com/office/drawing/2014/main" id="{9DD5E199-F2F4-2355-0868-0DE66CEC5B9B}"/>
               </a:ext>
             </a:extLst>
           </p:cNvPr>
@@ -2645,7 +2645,7 @@
           <p:cNvPr id="5" name="日期占位符 4">
             <a:extLst>
               <a:ext uri="{FF2B5EF4-FFF2-40B4-BE49-F238E27FC236}">
-                <a16:creationId xmlns:a16="http://schemas.microsoft.com/office/drawing/2014/main" id="{2419AE86-9D99-35E2-41D7-1E2FEDE964DF}"/>
+                <a16:creationId xmlns:a16="http://schemas.microsoft.com/office/drawing/2014/main" id="{523B5DF3-9FBD-5039-5C5B-74145D2529AA}"/>
               </a:ext>
             </a:extLst>
           </p:cNvPr>
@@ -2661,7 +2661,7 @@
           <a:bodyPr/>
           <a:lstStyle/>
           <a:p>
-            <a:fld id="{66FA818B-C6A7-46DE-BE40-FE50F9358F71}" type="datetimeFigureOut">
+            <a:fld id="{9AD9DE96-7843-452D-86D5-75EE6D0C4570}" type="datetimeFigureOut">
               <a:rPr lang="zh-CN" altLang="en-US" smtClean="0"/>
               <a:t>2024/3/10</a:t>
             </a:fld>
@@ -2674,7 +2674,7 @@
           <p:cNvPr id="6" name="页脚占位符 5">
             <a:extLst>
               <a:ext uri="{FF2B5EF4-FFF2-40B4-BE49-F238E27FC236}">
-                <a16:creationId xmlns:a16="http://schemas.microsoft.com/office/drawing/2014/main" id="{27F0CD07-DE57-E0EF-5EC3-A3BEB6511D4A}"/>
+                <a16:creationId xmlns:a16="http://schemas.microsoft.com/office/drawing/2014/main" id="{6A44D217-FE9D-8330-88C9-502EAC91B3A0}"/>
               </a:ext>
             </a:extLst>
           </p:cNvPr>
@@ -2699,7 +2699,7 @@
           <p:cNvPr id="7" name="灯片编号占位符 6">
             <a:extLst>
               <a:ext uri="{FF2B5EF4-FFF2-40B4-BE49-F238E27FC236}">
-                <a16:creationId xmlns:a16="http://schemas.microsoft.com/office/drawing/2014/main" id="{9DD74520-EC54-5833-EC7C-58B77E0F4A6A}"/>
+                <a16:creationId xmlns:a16="http://schemas.microsoft.com/office/drawing/2014/main" id="{A0419884-9441-05FF-5258-A3C11125248C}"/>
               </a:ext>
             </a:extLst>
           </p:cNvPr>
@@ -2715,7 +2715,7 @@
           <a:bodyPr/>
           <a:lstStyle/>
           <a:p>
-            <a:fld id="{52F045A7-C978-4191-B892-16050D7F31B0}" type="slidenum">
+            <a:fld id="{87145ADD-C322-4502-A9E3-8AA148E515AC}" type="slidenum">
               <a:rPr lang="zh-CN" altLang="en-US" smtClean="0"/>
               <a:t>‹#›</a:t>
             </a:fld>
@@ -2726,7 +2726,7 @@
     </p:spTree>
     <p:extLst>
       <p:ext uri="{BB962C8B-B14F-4D97-AF65-F5344CB8AC3E}">
-        <p14:creationId xmlns:p14="http://schemas.microsoft.com/office/powerpoint/2010/main" val="2113688127"/>
+        <p14:creationId xmlns:p14="http://schemas.microsoft.com/office/powerpoint/2010/main" val="3615460634"/>
       </p:ext>
     </p:extLst>
   </p:cSld>
@@ -2763,7 +2763,7 @@
           <p:cNvPr id="2" name="标题占位符 1">
             <a:extLst>
               <a:ext uri="{FF2B5EF4-FFF2-40B4-BE49-F238E27FC236}">
-                <a16:creationId xmlns:a16="http://schemas.microsoft.com/office/drawing/2014/main" id="{DACBE36D-92F1-3F89-3B97-BA2DF4D22BC0}"/>
+                <a16:creationId xmlns:a16="http://schemas.microsoft.com/office/drawing/2014/main" id="{24F947AD-1FDC-2E10-31B8-1DED44BF5DE0}"/>
               </a:ext>
             </a:extLst>
           </p:cNvPr>
@@ -2801,7 +2801,7 @@
           <p:cNvPr id="3" name="文本占位符 2">
             <a:extLst>
               <a:ext uri="{FF2B5EF4-FFF2-40B4-BE49-F238E27FC236}">
-                <a16:creationId xmlns:a16="http://schemas.microsoft.com/office/drawing/2014/main" id="{59F631DF-C283-022E-7AD7-CC54003F6B1E}"/>
+                <a16:creationId xmlns:a16="http://schemas.microsoft.com/office/drawing/2014/main" id="{0314426D-6ECE-D281-5E1E-CBBCBA625A4F}"/>
               </a:ext>
             </a:extLst>
           </p:cNvPr>
@@ -2868,7 +2868,7 @@
           <p:cNvPr id="4" name="日期占位符 3">
             <a:extLst>
               <a:ext uri="{FF2B5EF4-FFF2-40B4-BE49-F238E27FC236}">
-                <a16:creationId xmlns:a16="http://schemas.microsoft.com/office/drawing/2014/main" id="{A0D57F58-2960-A97A-8F84-5C44CC536754}"/>
+                <a16:creationId xmlns:a16="http://schemas.microsoft.com/office/drawing/2014/main" id="{C3A6AD5D-A786-D58B-F005-AF8CB9461736}"/>
               </a:ext>
             </a:extLst>
           </p:cNvPr>
@@ -2902,7 +2902,7 @@
             </a:lvl1pPr>
           </a:lstStyle>
           <a:p>
-            <a:fld id="{66FA818B-C6A7-46DE-BE40-FE50F9358F71}" type="datetimeFigureOut">
+            <a:fld id="{9AD9DE96-7843-452D-86D5-75EE6D0C4570}" type="datetimeFigureOut">
               <a:rPr lang="zh-CN" altLang="en-US" smtClean="0"/>
               <a:t>2024/3/10</a:t>
             </a:fld>
@@ -2915,7 +2915,7 @@
           <p:cNvPr id="5" name="页脚占位符 4">
             <a:extLst>
               <a:ext uri="{FF2B5EF4-FFF2-40B4-BE49-F238E27FC236}">
-                <a16:creationId xmlns:a16="http://schemas.microsoft.com/office/drawing/2014/main" id="{BD7D6D62-3A29-6DF8-6B74-C86E7ED27643}"/>
+                <a16:creationId xmlns:a16="http://schemas.microsoft.com/office/drawing/2014/main" id="{19F8F366-A24D-0AB8-7026-8006DB1640ED}"/>
               </a:ext>
             </a:extLst>
           </p:cNvPr>
@@ -2958,7 +2958,7 @@
           <p:cNvPr id="6" name="灯片编号占位符 5">
             <a:extLst>
               <a:ext uri="{FF2B5EF4-FFF2-40B4-BE49-F238E27FC236}">
-                <a16:creationId xmlns:a16="http://schemas.microsoft.com/office/drawing/2014/main" id="{87D0FA60-A9E2-19B7-1FA4-8A7D91DDB269}"/>
+                <a16:creationId xmlns:a16="http://schemas.microsoft.com/office/drawing/2014/main" id="{B6CD0C47-2F77-692B-0ADC-2D2CDD288BB8}"/>
               </a:ext>
             </a:extLst>
           </p:cNvPr>
@@ -2992,7 +2992,7 @@
             </a:lvl1pPr>
           </a:lstStyle>
           <a:p>
-            <a:fld id="{52F045A7-C978-4191-B892-16050D7F31B0}" type="slidenum">
+            <a:fld id="{87145ADD-C322-4502-A9E3-8AA148E515AC}" type="slidenum">
               <a:rPr lang="zh-CN" altLang="en-US" smtClean="0"/>
               <a:t>‹#›</a:t>
             </a:fld>
@@ -3003,7 +3003,7 @@
     </p:spTree>
     <p:extLst>
       <p:ext uri="{BB962C8B-B14F-4D97-AF65-F5344CB8AC3E}">
-        <p14:creationId xmlns:p14="http://schemas.microsoft.com/office/powerpoint/2010/main" val="1090041913"/>
+        <p14:creationId xmlns:p14="http://schemas.microsoft.com/office/powerpoint/2010/main" val="3506303312"/>
       </p:ext>
     </p:extLst>
   </p:cSld>
